--- a/PowerPoint.pptx
+++ b/PowerPoint.pptx
@@ -308,7 +308,7 @@
           <a:p>
             <a:fld id="{86676A01-653E-427D-82E1-533C1490FB47}" type="datetimeFigureOut">
               <a:rPr lang="it-IT" smtClean="0"/>
-              <a:t>16/01/2022</a:t>
+              <a:t>31/01/2022</a:t>
             </a:fld>
             <a:endParaRPr lang="it-IT"/>
           </a:p>
@@ -518,7 +518,7 @@
           <a:p>
             <a:fld id="{86676A01-653E-427D-82E1-533C1490FB47}" type="datetimeFigureOut">
               <a:rPr lang="it-IT" smtClean="0"/>
-              <a:t>16/01/2022</a:t>
+              <a:t>31/01/2022</a:t>
             </a:fld>
             <a:endParaRPr lang="it-IT"/>
           </a:p>
@@ -698,7 +698,7 @@
           <a:p>
             <a:fld id="{86676A01-653E-427D-82E1-533C1490FB47}" type="datetimeFigureOut">
               <a:rPr lang="it-IT" smtClean="0"/>
-              <a:t>16/01/2022</a:t>
+              <a:t>31/01/2022</a:t>
             </a:fld>
             <a:endParaRPr lang="it-IT"/>
           </a:p>
@@ -868,7 +868,7 @@
           <a:p>
             <a:fld id="{86676A01-653E-427D-82E1-533C1490FB47}" type="datetimeFigureOut">
               <a:rPr lang="it-IT" smtClean="0"/>
-              <a:t>16/01/2022</a:t>
+              <a:t>31/01/2022</a:t>
             </a:fld>
             <a:endParaRPr lang="it-IT"/>
           </a:p>
@@ -1122,7 +1122,7 @@
           <a:p>
             <a:fld id="{86676A01-653E-427D-82E1-533C1490FB47}" type="datetimeFigureOut">
               <a:rPr lang="it-IT" smtClean="0"/>
-              <a:t>16/01/2022</a:t>
+              <a:t>31/01/2022</a:t>
             </a:fld>
             <a:endParaRPr lang="it-IT"/>
           </a:p>
@@ -1448,7 +1448,7 @@
           <a:p>
             <a:fld id="{86676A01-653E-427D-82E1-533C1490FB47}" type="datetimeFigureOut">
               <a:rPr lang="it-IT" smtClean="0"/>
-              <a:t>16/01/2022</a:t>
+              <a:t>31/01/2022</a:t>
             </a:fld>
             <a:endParaRPr lang="it-IT"/>
           </a:p>
@@ -1899,7 +1899,7 @@
           <a:p>
             <a:fld id="{86676A01-653E-427D-82E1-533C1490FB47}" type="datetimeFigureOut">
               <a:rPr lang="it-IT" smtClean="0"/>
-              <a:t>16/01/2022</a:t>
+              <a:t>31/01/2022</a:t>
             </a:fld>
             <a:endParaRPr lang="it-IT"/>
           </a:p>
@@ -2017,7 +2017,7 @@
           <a:p>
             <a:fld id="{86676A01-653E-427D-82E1-533C1490FB47}" type="datetimeFigureOut">
               <a:rPr lang="it-IT" smtClean="0"/>
-              <a:t>16/01/2022</a:t>
+              <a:t>31/01/2022</a:t>
             </a:fld>
             <a:endParaRPr lang="it-IT"/>
           </a:p>
@@ -2112,7 +2112,7 @@
           <a:p>
             <a:fld id="{86676A01-653E-427D-82E1-533C1490FB47}" type="datetimeFigureOut">
               <a:rPr lang="it-IT" smtClean="0"/>
-              <a:t>16/01/2022</a:t>
+              <a:t>31/01/2022</a:t>
             </a:fld>
             <a:endParaRPr lang="it-IT"/>
           </a:p>
@@ -2399,7 +2399,7 @@
           <a:p>
             <a:fld id="{86676A01-653E-427D-82E1-533C1490FB47}" type="datetimeFigureOut">
               <a:rPr lang="it-IT" smtClean="0"/>
-              <a:t>16/01/2022</a:t>
+              <a:t>31/01/2022</a:t>
             </a:fld>
             <a:endParaRPr lang="it-IT"/>
           </a:p>
@@ -2717,7 +2717,7 @@
           <a:p>
             <a:fld id="{86676A01-653E-427D-82E1-533C1490FB47}" type="datetimeFigureOut">
               <a:rPr lang="it-IT" smtClean="0"/>
-              <a:t>16/01/2022</a:t>
+              <a:t>31/01/2022</a:t>
             </a:fld>
             <a:endParaRPr lang="it-IT"/>
           </a:p>
@@ -2969,7 +2969,7 @@
           <a:p>
             <a:fld id="{86676A01-653E-427D-82E1-533C1490FB47}" type="datetimeFigureOut">
               <a:rPr lang="it-IT" smtClean="0"/>
-              <a:t>16/01/2022</a:t>
+              <a:t>31/01/2022</a:t>
             </a:fld>
             <a:endParaRPr lang="it-IT"/>
           </a:p>
@@ -3905,37 +3905,12 @@
           <a:lstStyle/>
           <a:p>
             <a:r>
-              <a:rPr lang="it-IT"/>
-              <a:t>2. Basic Working Scheme</a:t>
-            </a:r>
-            <a:endParaRPr lang="it-IT" dirty="0"/>
-          </a:p>
-        </p:txBody>
-      </p:sp>
-      <p:sp>
-        <p:nvSpPr>
-          <p:cNvPr id="3" name="Segnaposto contenuto 2">
-            <a:extLst>
-              <a:ext uri="{FF2B5EF4-FFF2-40B4-BE49-F238E27FC236}">
-                <a16:creationId xmlns:a16="http://schemas.microsoft.com/office/drawing/2014/main" id="{C0AD9CD8-5582-41A4-AB30-5977CE12DA2D}"/>
-              </a:ext>
-            </a:extLst>
-          </p:cNvPr>
-          <p:cNvSpPr>
-            <a:spLocks noGrp="1"/>
-          </p:cNvSpPr>
-          <p:nvPr>
-            <p:ph idx="1"/>
-          </p:nvPr>
-        </p:nvSpPr>
-        <p:spPr/>
-        <p:txBody>
-          <a:bodyPr/>
-          <a:lstStyle/>
-          <a:p>
-            <a:r>
-              <a:rPr lang="en-US" dirty="0"/>
-              <a:t>¡ Show some pictures (at least one) of your system.</a:t>
+              <a:rPr lang="it-IT" dirty="0"/>
+              <a:t>2. Basic Working </a:t>
+            </a:r>
+            <a:r>
+              <a:rPr lang="it-IT" dirty="0" err="1"/>
+              <a:t>Scheme</a:t>
             </a:r>
             <a:endParaRPr lang="it-IT" dirty="0"/>
           </a:p>
@@ -4329,7 +4304,7 @@
           <a:p>
             <a:r>
               <a:rPr lang="en-US" dirty="0"/>
-              <a:t>Software was tested on the field and with virtual variables</a:t>
+              <a:t>Software was tested on the field and with hardcoded variables</a:t>
             </a:r>
           </a:p>
           <a:p>
@@ -4459,7 +4434,15 @@
           <a:p>
             <a:r>
               <a:rPr lang="en-US" dirty="0"/>
-              <a:t>Make more responsive RaspberryPi-DHT11’s package</a:t>
+              <a:t>Make more </a:t>
+            </a:r>
+            <a:r>
+              <a:rPr lang="en-US"/>
+              <a:t>responsive the </a:t>
+            </a:r>
+            <a:r>
+              <a:rPr lang="en-US" dirty="0"/>
+              <a:t>package</a:t>
             </a:r>
           </a:p>
           <a:p>
